--- a/Recommender Players Slides.pptx
+++ b/Recommender Players Slides.pptx
@@ -172,7 +172,7 @@
           <a:noFill/>
           <a:extLst>
             <a:ext uri="{909E8E84-426E-40dd-AFC4-6F175D3DCCD1}">
-              <a14:hiddenFill xmlns:a14="http://schemas.microsoft.com/office/drawing/2010/main" xmlns="">
+              <a14:hiddenFill xmlns="" xmlns:a14="http://schemas.microsoft.com/office/drawing/2010/main">
                 <a:solidFill>
                   <a:srgbClr val="FFFFFF"/>
                 </a:solidFill>
@@ -232,7 +232,7 @@
             </a:ln>
             <a:extLst>
               <a:ext uri="{91240B29-F687-4f45-9708-019B960494DF}">
-                <a14:hiddenLine xmlns:a14="http://schemas.microsoft.com/office/drawing/2010/main" xmlns="" w="9525">
+                <a14:hiddenLine xmlns="" xmlns:a14="http://schemas.microsoft.com/office/drawing/2010/main" w="9525">
                   <a:solidFill>
                     <a:srgbClr val="000000"/>
                   </a:solidFill>
@@ -322,7 +322,7 @@
             </a:ln>
             <a:extLst>
               <a:ext uri="{91240B29-F687-4f45-9708-019B960494DF}">
-                <a14:hiddenLine xmlns:a14="http://schemas.microsoft.com/office/drawing/2010/main" xmlns="" w="9525">
+                <a14:hiddenLine xmlns="" xmlns:a14="http://schemas.microsoft.com/office/drawing/2010/main" w="9525">
                   <a:solidFill>
                     <a:srgbClr val="000000"/>
                   </a:solidFill>
@@ -412,7 +412,7 @@
             </a:ln>
             <a:extLst>
               <a:ext uri="{91240B29-F687-4f45-9708-019B960494DF}">
-                <a14:hiddenLine xmlns:a14="http://schemas.microsoft.com/office/drawing/2010/main" xmlns="" w="9525">
+                <a14:hiddenLine xmlns="" xmlns:a14="http://schemas.microsoft.com/office/drawing/2010/main" w="9525">
                   <a:solidFill>
                     <a:srgbClr val="000000"/>
                   </a:solidFill>
@@ -446,7 +446,7 @@
             </a:ln>
             <a:extLst>
               <a:ext uri="{91240B29-F687-4f45-9708-019B960494DF}">
-                <a14:hiddenLine xmlns:a14="http://schemas.microsoft.com/office/drawing/2010/main" xmlns="" w="9525">
+                <a14:hiddenLine xmlns="" xmlns:a14="http://schemas.microsoft.com/office/drawing/2010/main" w="9525">
                   <a:solidFill>
                     <a:srgbClr val="000000"/>
                   </a:solidFill>
@@ -536,7 +536,7 @@
             </a:ln>
             <a:extLst>
               <a:ext uri="{91240B29-F687-4f45-9708-019B960494DF}">
-                <a14:hiddenLine xmlns:a14="http://schemas.microsoft.com/office/drawing/2010/main" xmlns="" w="9525">
+                <a14:hiddenLine xmlns="" xmlns:a14="http://schemas.microsoft.com/office/drawing/2010/main" w="9525">
                   <a:solidFill>
                     <a:srgbClr val="000000"/>
                   </a:solidFill>
@@ -598,7 +598,7 @@
             </a:ln>
             <a:extLst>
               <a:ext uri="{91240B29-F687-4f45-9708-019B960494DF}">
-                <a14:hiddenLine xmlns:a14="http://schemas.microsoft.com/office/drawing/2010/main" xmlns="" w="9525">
+                <a14:hiddenLine xmlns="" xmlns:a14="http://schemas.microsoft.com/office/drawing/2010/main" w="9525">
                   <a:solidFill>
                     <a:srgbClr val="000000"/>
                   </a:solidFill>
@@ -660,7 +660,7 @@
             </a:ln>
             <a:extLst>
               <a:ext uri="{91240B29-F687-4f45-9708-019B960494DF}">
-                <a14:hiddenLine xmlns:a14="http://schemas.microsoft.com/office/drawing/2010/main" xmlns="" w="9525">
+                <a14:hiddenLine xmlns="" xmlns:a14="http://schemas.microsoft.com/office/drawing/2010/main" w="9525">
                   <a:solidFill>
                     <a:srgbClr val="000000"/>
                   </a:solidFill>
@@ -750,7 +750,7 @@
             </a:ln>
             <a:extLst>
               <a:ext uri="{91240B29-F687-4f45-9708-019B960494DF}">
-                <a14:hiddenLine xmlns:a14="http://schemas.microsoft.com/office/drawing/2010/main" xmlns="" w="9525">
+                <a14:hiddenLine xmlns="" xmlns:a14="http://schemas.microsoft.com/office/drawing/2010/main" w="9525">
                   <a:solidFill>
                     <a:srgbClr val="000000"/>
                   </a:solidFill>
@@ -812,7 +812,7 @@
             </a:ln>
             <a:extLst>
               <a:ext uri="{91240B29-F687-4f45-9708-019B960494DF}">
-                <a14:hiddenLine xmlns:a14="http://schemas.microsoft.com/office/drawing/2010/main" xmlns="" w="9525">
+                <a14:hiddenLine xmlns="" xmlns:a14="http://schemas.microsoft.com/office/drawing/2010/main" w="9525">
                   <a:solidFill>
                     <a:srgbClr val="000000"/>
                   </a:solidFill>
@@ -874,7 +874,7 @@
             </a:ln>
             <a:extLst>
               <a:ext uri="{91240B29-F687-4f45-9708-019B960494DF}">
-                <a14:hiddenLine xmlns:a14="http://schemas.microsoft.com/office/drawing/2010/main" xmlns="" w="9525">
+                <a14:hiddenLine xmlns="" xmlns:a14="http://schemas.microsoft.com/office/drawing/2010/main" w="9525">
                   <a:solidFill>
                     <a:srgbClr val="000000"/>
                   </a:solidFill>
@@ -964,7 +964,7 @@
             </a:ln>
             <a:extLst>
               <a:ext uri="{91240B29-F687-4f45-9708-019B960494DF}">
-                <a14:hiddenLine xmlns:a14="http://schemas.microsoft.com/office/drawing/2010/main" xmlns="" w="9525">
+                <a14:hiddenLine xmlns="" xmlns:a14="http://schemas.microsoft.com/office/drawing/2010/main" w="9525">
                   <a:solidFill>
                     <a:srgbClr val="000000"/>
                   </a:solidFill>
@@ -1054,7 +1054,7 @@
             </a:ln>
             <a:extLst>
               <a:ext uri="{91240B29-F687-4f45-9708-019B960494DF}">
-                <a14:hiddenLine xmlns:a14="http://schemas.microsoft.com/office/drawing/2010/main" xmlns="" w="9525">
+                <a14:hiddenLine xmlns="" xmlns:a14="http://schemas.microsoft.com/office/drawing/2010/main" w="9525">
                   <a:solidFill>
                     <a:srgbClr val="000000"/>
                   </a:solidFill>
@@ -1116,7 +1116,7 @@
             </a:ln>
             <a:extLst>
               <a:ext uri="{91240B29-F687-4f45-9708-019B960494DF}">
-                <a14:hiddenLine xmlns:a14="http://schemas.microsoft.com/office/drawing/2010/main" xmlns="" w="9525">
+                <a14:hiddenLine xmlns="" xmlns:a14="http://schemas.microsoft.com/office/drawing/2010/main" w="9525">
                   <a:solidFill>
                     <a:srgbClr val="000000"/>
                   </a:solidFill>
@@ -1226,7 +1226,7 @@
             </a:ln>
             <a:extLst>
               <a:ext uri="{91240B29-F687-4f45-9708-019B960494DF}">
-                <a14:hiddenLine xmlns:a14="http://schemas.microsoft.com/office/drawing/2010/main" xmlns="" w="9525">
+                <a14:hiddenLine xmlns="" xmlns:a14="http://schemas.microsoft.com/office/drawing/2010/main" w="9525">
                   <a:solidFill>
                     <a:srgbClr val="000000"/>
                   </a:solidFill>
@@ -1288,7 +1288,7 @@
             </a:ln>
             <a:extLst>
               <a:ext uri="{91240B29-F687-4f45-9708-019B960494DF}">
-                <a14:hiddenLine xmlns:a14="http://schemas.microsoft.com/office/drawing/2010/main" xmlns="" w="9525">
+                <a14:hiddenLine xmlns="" xmlns:a14="http://schemas.microsoft.com/office/drawing/2010/main" w="9525">
                   <a:solidFill>
                     <a:srgbClr val="000000"/>
                   </a:solidFill>
@@ -1378,7 +1378,7 @@
             </a:ln>
             <a:extLst>
               <a:ext uri="{91240B29-F687-4f45-9708-019B960494DF}">
-                <a14:hiddenLine xmlns:a14="http://schemas.microsoft.com/office/drawing/2010/main" xmlns="" w="9525">
+                <a14:hiddenLine xmlns="" xmlns:a14="http://schemas.microsoft.com/office/drawing/2010/main" w="9525">
                   <a:solidFill>
                     <a:srgbClr val="000000"/>
                   </a:solidFill>
@@ -1468,7 +1468,7 @@
             </a:ln>
             <a:extLst>
               <a:ext uri="{91240B29-F687-4f45-9708-019B960494DF}">
-                <a14:hiddenLine xmlns:a14="http://schemas.microsoft.com/office/drawing/2010/main" xmlns="" w="9525">
+                <a14:hiddenLine xmlns="" xmlns:a14="http://schemas.microsoft.com/office/drawing/2010/main" w="9525">
                   <a:solidFill>
                     <a:srgbClr val="000000"/>
                   </a:solidFill>
@@ -1530,7 +1530,7 @@
             </a:ln>
             <a:extLst>
               <a:ext uri="{91240B29-F687-4f45-9708-019B960494DF}">
-                <a14:hiddenLine xmlns:a14="http://schemas.microsoft.com/office/drawing/2010/main" xmlns="" w="9525">
+                <a14:hiddenLine xmlns="" xmlns:a14="http://schemas.microsoft.com/office/drawing/2010/main" w="9525">
                   <a:solidFill>
                     <a:srgbClr val="000000"/>
                   </a:solidFill>
@@ -1620,7 +1620,7 @@
             </a:ln>
             <a:extLst>
               <a:ext uri="{91240B29-F687-4f45-9708-019B960494DF}">
-                <a14:hiddenLine xmlns:a14="http://schemas.microsoft.com/office/drawing/2010/main" xmlns="" w="9525">
+                <a14:hiddenLine xmlns="" xmlns:a14="http://schemas.microsoft.com/office/drawing/2010/main" w="9525">
                   <a:solidFill>
                     <a:srgbClr val="000000"/>
                   </a:solidFill>
@@ -1710,7 +1710,7 @@
             </a:ln>
             <a:extLst>
               <a:ext uri="{91240B29-F687-4f45-9708-019B960494DF}">
-                <a14:hiddenLine xmlns:a14="http://schemas.microsoft.com/office/drawing/2010/main" xmlns="" w="9525">
+                <a14:hiddenLine xmlns="" xmlns:a14="http://schemas.microsoft.com/office/drawing/2010/main" w="9525">
                   <a:solidFill>
                     <a:srgbClr val="000000"/>
                   </a:solidFill>
@@ -1766,7 +1766,7 @@
             </a:ln>
             <a:extLst>
               <a:ext uri="{91240B29-F687-4f45-9708-019B960494DF}">
-                <a14:hiddenLine xmlns:a14="http://schemas.microsoft.com/office/drawing/2010/main" xmlns="" w="9525">
+                <a14:hiddenLine xmlns="" xmlns:a14="http://schemas.microsoft.com/office/drawing/2010/main" w="9525">
                   <a:solidFill>
                     <a:srgbClr val="000000"/>
                   </a:solidFill>
@@ -1856,7 +1856,7 @@
             </a:ln>
             <a:extLst>
               <a:ext uri="{91240B29-F687-4f45-9708-019B960494DF}">
-                <a14:hiddenLine xmlns:a14="http://schemas.microsoft.com/office/drawing/2010/main" xmlns="" w="9525">
+                <a14:hiddenLine xmlns="" xmlns:a14="http://schemas.microsoft.com/office/drawing/2010/main" w="9525">
                   <a:solidFill>
                     <a:srgbClr val="000000"/>
                   </a:solidFill>
@@ -1912,7 +1912,7 @@
             </a:ln>
             <a:extLst>
               <a:ext uri="{91240B29-F687-4f45-9708-019B960494DF}">
-                <a14:hiddenLine xmlns:a14="http://schemas.microsoft.com/office/drawing/2010/main" xmlns="" w="9525">
+                <a14:hiddenLine xmlns="" xmlns:a14="http://schemas.microsoft.com/office/drawing/2010/main" w="9525">
                   <a:solidFill>
                     <a:srgbClr val="000000"/>
                   </a:solidFill>
@@ -2002,7 +2002,7 @@
             </a:ln>
             <a:extLst>
               <a:ext uri="{91240B29-F687-4f45-9708-019B960494DF}">
-                <a14:hiddenLine xmlns:a14="http://schemas.microsoft.com/office/drawing/2010/main" xmlns="" w="9525">
+                <a14:hiddenLine xmlns="" xmlns:a14="http://schemas.microsoft.com/office/drawing/2010/main" w="9525">
                   <a:solidFill>
                     <a:srgbClr val="000000"/>
                   </a:solidFill>
@@ -2070,7 +2070,7 @@
             </a:ln>
             <a:extLst>
               <a:ext uri="{91240B29-F687-4f45-9708-019B960494DF}">
-                <a14:hiddenLine xmlns:a14="http://schemas.microsoft.com/office/drawing/2010/main" xmlns="" w="9525">
+                <a14:hiddenLine xmlns="" xmlns:a14="http://schemas.microsoft.com/office/drawing/2010/main" w="9525">
                   <a:solidFill>
                     <a:srgbClr val="000000"/>
                   </a:solidFill>
@@ -2160,7 +2160,7 @@
             </a:ln>
             <a:extLst>
               <a:ext uri="{91240B29-F687-4f45-9708-019B960494DF}">
-                <a14:hiddenLine xmlns:a14="http://schemas.microsoft.com/office/drawing/2010/main" xmlns="" w="9525">
+                <a14:hiddenLine xmlns="" xmlns:a14="http://schemas.microsoft.com/office/drawing/2010/main" w="9525">
                   <a:solidFill>
                     <a:srgbClr val="000000"/>
                   </a:solidFill>
@@ -2228,7 +2228,7 @@
             </a:ln>
             <a:extLst>
               <a:ext uri="{91240B29-F687-4f45-9708-019B960494DF}">
-                <a14:hiddenLine xmlns:a14="http://schemas.microsoft.com/office/drawing/2010/main" xmlns="" w="9525">
+                <a14:hiddenLine xmlns="" xmlns:a14="http://schemas.microsoft.com/office/drawing/2010/main" w="9525">
                   <a:solidFill>
                     <a:srgbClr val="000000"/>
                   </a:solidFill>
@@ -2318,7 +2318,7 @@
             </a:ln>
             <a:extLst>
               <a:ext uri="{91240B29-F687-4f45-9708-019B960494DF}">
-                <a14:hiddenLine xmlns:a14="http://schemas.microsoft.com/office/drawing/2010/main" xmlns="" w="9525">
+                <a14:hiddenLine xmlns="" xmlns:a14="http://schemas.microsoft.com/office/drawing/2010/main" w="9525">
                   <a:solidFill>
                     <a:srgbClr val="000000"/>
                   </a:solidFill>
@@ -2352,7 +2352,7 @@
             </a:ln>
             <a:extLst>
               <a:ext uri="{91240B29-F687-4f45-9708-019B960494DF}">
-                <a14:hiddenLine xmlns:a14="http://schemas.microsoft.com/office/drawing/2010/main" xmlns="" w="9525">
+                <a14:hiddenLine xmlns="" xmlns:a14="http://schemas.microsoft.com/office/drawing/2010/main" w="9525">
                   <a:solidFill>
                     <a:srgbClr val="000000"/>
                   </a:solidFill>
@@ -2442,7 +2442,7 @@
             </a:ln>
             <a:extLst>
               <a:ext uri="{91240B29-F687-4f45-9708-019B960494DF}">
-                <a14:hiddenLine xmlns:a14="http://schemas.microsoft.com/office/drawing/2010/main" xmlns="" w="9525">
+                <a14:hiddenLine xmlns="" xmlns:a14="http://schemas.microsoft.com/office/drawing/2010/main" w="9525">
                   <a:solidFill>
                     <a:srgbClr val="000000"/>
                   </a:solidFill>
@@ -2504,7 +2504,7 @@
             </a:ln>
             <a:extLst>
               <a:ext uri="{91240B29-F687-4f45-9708-019B960494DF}">
-                <a14:hiddenLine xmlns:a14="http://schemas.microsoft.com/office/drawing/2010/main" xmlns="" w="9525">
+                <a14:hiddenLine xmlns="" xmlns:a14="http://schemas.microsoft.com/office/drawing/2010/main" w="9525">
                   <a:solidFill>
                     <a:srgbClr val="000000"/>
                   </a:solidFill>
@@ -2566,7 +2566,7 @@
             </a:ln>
             <a:extLst>
               <a:ext uri="{91240B29-F687-4f45-9708-019B960494DF}">
-                <a14:hiddenLine xmlns:a14="http://schemas.microsoft.com/office/drawing/2010/main" xmlns="" w="9525">
+                <a14:hiddenLine xmlns="" xmlns:a14="http://schemas.microsoft.com/office/drawing/2010/main" w="9525">
                   <a:solidFill>
                     <a:srgbClr val="000000"/>
                   </a:solidFill>
@@ -2656,7 +2656,7 @@
             </a:ln>
             <a:extLst>
               <a:ext uri="{91240B29-F687-4f45-9708-019B960494DF}">
-                <a14:hiddenLine xmlns:a14="http://schemas.microsoft.com/office/drawing/2010/main" xmlns="" w="9525">
+                <a14:hiddenLine xmlns="" xmlns:a14="http://schemas.microsoft.com/office/drawing/2010/main" w="9525">
                   <a:solidFill>
                     <a:srgbClr val="000000"/>
                   </a:solidFill>
@@ -2724,7 +2724,7 @@
             </a:ln>
             <a:extLst>
               <a:ext uri="{91240B29-F687-4f45-9708-019B960494DF}">
-                <a14:hiddenLine xmlns:a14="http://schemas.microsoft.com/office/drawing/2010/main" xmlns="" w="9525">
+                <a14:hiddenLine xmlns="" xmlns:a14="http://schemas.microsoft.com/office/drawing/2010/main" w="9525">
                   <a:solidFill>
                     <a:srgbClr val="000000"/>
                   </a:solidFill>
@@ -2786,7 +2786,7 @@
             </a:ln>
             <a:extLst>
               <a:ext uri="{91240B29-F687-4f45-9708-019B960494DF}">
-                <a14:hiddenLine xmlns:a14="http://schemas.microsoft.com/office/drawing/2010/main" xmlns="" w="9525">
+                <a14:hiddenLine xmlns="" xmlns:a14="http://schemas.microsoft.com/office/drawing/2010/main" w="9525">
                   <a:solidFill>
                     <a:srgbClr val="000000"/>
                   </a:solidFill>
@@ -2876,7 +2876,7 @@
             </a:ln>
             <a:extLst>
               <a:ext uri="{91240B29-F687-4f45-9708-019B960494DF}">
-                <a14:hiddenLine xmlns:a14="http://schemas.microsoft.com/office/drawing/2010/main" xmlns="" w="9525">
+                <a14:hiddenLine xmlns="" xmlns:a14="http://schemas.microsoft.com/office/drawing/2010/main" w="9525">
                   <a:solidFill>
                     <a:srgbClr val="000000"/>
                   </a:solidFill>
@@ -2938,7 +2938,7 @@
             </a:ln>
             <a:extLst>
               <a:ext uri="{91240B29-F687-4f45-9708-019B960494DF}">
-                <a14:hiddenLine xmlns:a14="http://schemas.microsoft.com/office/drawing/2010/main" xmlns="" w="9525">
+                <a14:hiddenLine xmlns="" xmlns:a14="http://schemas.microsoft.com/office/drawing/2010/main" w="9525">
                   <a:solidFill>
                     <a:srgbClr val="000000"/>
                   </a:solidFill>
@@ -3028,7 +3028,7 @@
             </a:ln>
             <a:extLst>
               <a:ext uri="{91240B29-F687-4f45-9708-019B960494DF}">
-                <a14:hiddenLine xmlns:a14="http://schemas.microsoft.com/office/drawing/2010/main" xmlns="" w="9525">
+                <a14:hiddenLine xmlns="" xmlns:a14="http://schemas.microsoft.com/office/drawing/2010/main" w="9525">
                   <a:solidFill>
                     <a:srgbClr val="000000"/>
                   </a:solidFill>
@@ -3090,7 +3090,7 @@
             </a:ln>
             <a:extLst>
               <a:ext uri="{91240B29-F687-4f45-9708-019B960494DF}">
-                <a14:hiddenLine xmlns:a14="http://schemas.microsoft.com/office/drawing/2010/main" xmlns="" w="9525">
+                <a14:hiddenLine xmlns="" xmlns:a14="http://schemas.microsoft.com/office/drawing/2010/main" w="9525">
                   <a:solidFill>
                     <a:srgbClr val="000000"/>
                   </a:solidFill>
@@ -3180,7 +3180,7 @@
             </a:ln>
             <a:extLst>
               <a:ext uri="{91240B29-F687-4f45-9708-019B960494DF}">
-                <a14:hiddenLine xmlns:a14="http://schemas.microsoft.com/office/drawing/2010/main" xmlns="" w="9525">
+                <a14:hiddenLine xmlns="" xmlns:a14="http://schemas.microsoft.com/office/drawing/2010/main" w="9525">
                   <a:solidFill>
                     <a:srgbClr val="000000"/>
                   </a:solidFill>
@@ -3214,7 +3214,7 @@
             </a:ln>
             <a:extLst>
               <a:ext uri="{91240B29-F687-4f45-9708-019B960494DF}">
-                <a14:hiddenLine xmlns:a14="http://schemas.microsoft.com/office/drawing/2010/main" xmlns="" w="9525">
+                <a14:hiddenLine xmlns="" xmlns:a14="http://schemas.microsoft.com/office/drawing/2010/main" w="9525">
                   <a:solidFill>
                     <a:srgbClr val="000000"/>
                   </a:solidFill>
@@ -3279,7 +3279,7 @@
             </a:ln>
             <a:extLst>
               <a:ext uri="{91240B29-F687-4f45-9708-019B960494DF}">
-                <a14:hiddenLine xmlns:a14="http://schemas.microsoft.com/office/drawing/2010/main" xmlns="" w="9525">
+                <a14:hiddenLine xmlns="" xmlns:a14="http://schemas.microsoft.com/office/drawing/2010/main" w="9525">
                   <a:solidFill>
                     <a:srgbClr val="000000"/>
                   </a:solidFill>
@@ -3369,7 +3369,7 @@
             </a:ln>
             <a:extLst>
               <a:ext uri="{91240B29-F687-4f45-9708-019B960494DF}">
-                <a14:hiddenLine xmlns:a14="http://schemas.microsoft.com/office/drawing/2010/main" xmlns="" w="9525">
+                <a14:hiddenLine xmlns="" xmlns:a14="http://schemas.microsoft.com/office/drawing/2010/main" w="9525">
                   <a:solidFill>
                     <a:srgbClr val="000000"/>
                   </a:solidFill>
@@ -3431,7 +3431,7 @@
             </a:ln>
             <a:extLst>
               <a:ext uri="{91240B29-F687-4f45-9708-019B960494DF}">
-                <a14:hiddenLine xmlns:a14="http://schemas.microsoft.com/office/drawing/2010/main" xmlns="" w="9525">
+                <a14:hiddenLine xmlns="" xmlns:a14="http://schemas.microsoft.com/office/drawing/2010/main" w="9525">
                   <a:solidFill>
                     <a:srgbClr val="000000"/>
                   </a:solidFill>
@@ -3521,7 +3521,7 @@
             </a:ln>
             <a:extLst>
               <a:ext uri="{91240B29-F687-4f45-9708-019B960494DF}">
-                <a14:hiddenLine xmlns:a14="http://schemas.microsoft.com/office/drawing/2010/main" xmlns="" w="9525">
+                <a14:hiddenLine xmlns="" xmlns:a14="http://schemas.microsoft.com/office/drawing/2010/main" w="9525">
                   <a:solidFill>
                     <a:srgbClr val="000000"/>
                   </a:solidFill>
@@ -3611,7 +3611,7 @@
             </a:ln>
             <a:extLst>
               <a:ext uri="{91240B29-F687-4f45-9708-019B960494DF}">
-                <a14:hiddenLine xmlns:a14="http://schemas.microsoft.com/office/drawing/2010/main" xmlns="" w="9525">
+                <a14:hiddenLine xmlns="" xmlns:a14="http://schemas.microsoft.com/office/drawing/2010/main" w="9525">
                   <a:solidFill>
                     <a:srgbClr val="000000"/>
                   </a:solidFill>
@@ -3676,7 +3676,7 @@
             </a:ln>
             <a:extLst>
               <a:ext uri="{91240B29-F687-4f45-9708-019B960494DF}">
-                <a14:hiddenLine xmlns:a14="http://schemas.microsoft.com/office/drawing/2010/main" xmlns="" w="9525">
+                <a14:hiddenLine xmlns="" xmlns:a14="http://schemas.microsoft.com/office/drawing/2010/main" w="9525">
                   <a:solidFill>
                     <a:srgbClr val="000000"/>
                   </a:solidFill>
@@ -3738,7 +3738,7 @@
             </a:ln>
             <a:extLst>
               <a:ext uri="{91240B29-F687-4f45-9708-019B960494DF}">
-                <a14:hiddenLine xmlns:a14="http://schemas.microsoft.com/office/drawing/2010/main" xmlns="" w="9525">
+                <a14:hiddenLine xmlns="" xmlns:a14="http://schemas.microsoft.com/office/drawing/2010/main" w="9525">
                   <a:solidFill>
                     <a:srgbClr val="000000"/>
                   </a:solidFill>
@@ -3828,7 +3828,7 @@
             </a:ln>
             <a:extLst>
               <a:ext uri="{91240B29-F687-4f45-9708-019B960494DF}">
-                <a14:hiddenLine xmlns:a14="http://schemas.microsoft.com/office/drawing/2010/main" xmlns="" w="9525">
+                <a14:hiddenLine xmlns="" xmlns:a14="http://schemas.microsoft.com/office/drawing/2010/main" w="9525">
                   <a:solidFill>
                     <a:srgbClr val="000000"/>
                   </a:solidFill>
@@ -3918,7 +3918,7 @@
             </a:ln>
             <a:extLst>
               <a:ext uri="{91240B29-F687-4f45-9708-019B960494DF}">
-                <a14:hiddenLine xmlns:a14="http://schemas.microsoft.com/office/drawing/2010/main" xmlns="" w="9525">
+                <a14:hiddenLine xmlns="" xmlns:a14="http://schemas.microsoft.com/office/drawing/2010/main" w="9525">
                   <a:solidFill>
                     <a:srgbClr val="000000"/>
                   </a:solidFill>
@@ -3980,7 +3980,7 @@
             </a:ln>
             <a:extLst>
               <a:ext uri="{91240B29-F687-4f45-9708-019B960494DF}">
-                <a14:hiddenLine xmlns:a14="http://schemas.microsoft.com/office/drawing/2010/main" xmlns="" w="9525">
+                <a14:hiddenLine xmlns="" xmlns:a14="http://schemas.microsoft.com/office/drawing/2010/main" w="9525">
                   <a:solidFill>
                     <a:srgbClr val="000000"/>
                   </a:solidFill>
@@ -4100,7 +4100,7 @@
             </a:ln>
             <a:extLst>
               <a:ext uri="{91240B29-F687-4f45-9708-019B960494DF}">
-                <a14:hiddenLine xmlns:a14="http://schemas.microsoft.com/office/drawing/2010/main" xmlns="" w="9525">
+                <a14:hiddenLine xmlns="" xmlns:a14="http://schemas.microsoft.com/office/drawing/2010/main" w="9525">
                   <a:solidFill>
                     <a:srgbClr val="000000"/>
                   </a:solidFill>
@@ -4168,7 +4168,7 @@
             </a:ln>
             <a:extLst>
               <a:ext uri="{91240B29-F687-4f45-9708-019B960494DF}">
-                <a14:hiddenLine xmlns:a14="http://schemas.microsoft.com/office/drawing/2010/main" xmlns="" w="9525">
+                <a14:hiddenLine xmlns="" xmlns:a14="http://schemas.microsoft.com/office/drawing/2010/main" w="9525">
                   <a:solidFill>
                     <a:srgbClr val="000000"/>
                   </a:solidFill>
@@ -4258,7 +4258,7 @@
             </a:ln>
             <a:extLst>
               <a:ext uri="{91240B29-F687-4f45-9708-019B960494DF}">
-                <a14:hiddenLine xmlns:a14="http://schemas.microsoft.com/office/drawing/2010/main" xmlns="" w="9525">
+                <a14:hiddenLine xmlns="" xmlns:a14="http://schemas.microsoft.com/office/drawing/2010/main" w="9525">
                   <a:solidFill>
                     <a:srgbClr val="000000"/>
                   </a:solidFill>
@@ -8980,7 +8980,7 @@
           <a:noFill/>
           <a:extLst>
             <a:ext uri="{909E8E84-426E-40dd-AFC4-6F175D3DCCD1}">
-              <a14:hiddenFill xmlns:a14="http://schemas.microsoft.com/office/drawing/2010/main" xmlns="">
+              <a14:hiddenFill xmlns="" xmlns:a14="http://schemas.microsoft.com/office/drawing/2010/main">
                 <a:solidFill>
                   <a:srgbClr val="FFFFFF"/>
                 </a:solidFill>
@@ -9054,7 +9054,7 @@
               </a:ln>
               <a:extLst>
                 <a:ext uri="{91240B29-F687-4f45-9708-019B960494DF}">
-                  <a14:hiddenLine xmlns:a14="http://schemas.microsoft.com/office/drawing/2010/main" xmlns="" w="9525">
+                  <a14:hiddenLine xmlns="" xmlns:a14="http://schemas.microsoft.com/office/drawing/2010/main" w="9525">
                     <a:solidFill>
                       <a:srgbClr val="000000"/>
                     </a:solidFill>
@@ -9144,7 +9144,7 @@
               </a:ln>
               <a:extLst>
                 <a:ext uri="{91240B29-F687-4f45-9708-019B960494DF}">
-                  <a14:hiddenLine xmlns:a14="http://schemas.microsoft.com/office/drawing/2010/main" xmlns="" w="9525">
+                  <a14:hiddenLine xmlns="" xmlns:a14="http://schemas.microsoft.com/office/drawing/2010/main" w="9525">
                     <a:solidFill>
                       <a:srgbClr val="000000"/>
                     </a:solidFill>
@@ -9234,7 +9234,7 @@
               </a:ln>
               <a:extLst>
                 <a:ext uri="{91240B29-F687-4f45-9708-019B960494DF}">
-                  <a14:hiddenLine xmlns:a14="http://schemas.microsoft.com/office/drawing/2010/main" xmlns="" w="9525">
+                  <a14:hiddenLine xmlns="" xmlns:a14="http://schemas.microsoft.com/office/drawing/2010/main" w="9525">
                     <a:solidFill>
                       <a:srgbClr val="000000"/>
                     </a:solidFill>
@@ -9296,7 +9296,7 @@
               </a:ln>
               <a:extLst>
                 <a:ext uri="{91240B29-F687-4f45-9708-019B960494DF}">
-                  <a14:hiddenLine xmlns:a14="http://schemas.microsoft.com/office/drawing/2010/main" xmlns="" w="9525">
+                  <a14:hiddenLine xmlns="" xmlns:a14="http://schemas.microsoft.com/office/drawing/2010/main" w="9525">
                     <a:solidFill>
                       <a:srgbClr val="000000"/>
                     </a:solidFill>
@@ -9386,7 +9386,7 @@
               </a:ln>
               <a:extLst>
                 <a:ext uri="{91240B29-F687-4f45-9708-019B960494DF}">
-                  <a14:hiddenLine xmlns:a14="http://schemas.microsoft.com/office/drawing/2010/main" xmlns="" w="9525">
+                  <a14:hiddenLine xmlns="" xmlns:a14="http://schemas.microsoft.com/office/drawing/2010/main" w="9525">
                     <a:solidFill>
                       <a:srgbClr val="000000"/>
                     </a:solidFill>
@@ -9448,7 +9448,7 @@
               </a:ln>
               <a:extLst>
                 <a:ext uri="{91240B29-F687-4f45-9708-019B960494DF}">
-                  <a14:hiddenLine xmlns:a14="http://schemas.microsoft.com/office/drawing/2010/main" xmlns="" w="9525">
+                  <a14:hiddenLine xmlns="" xmlns:a14="http://schemas.microsoft.com/office/drawing/2010/main" w="9525">
                     <a:solidFill>
                       <a:srgbClr val="000000"/>
                     </a:solidFill>
@@ -9510,7 +9510,7 @@
               </a:ln>
               <a:extLst>
                 <a:ext uri="{91240B29-F687-4f45-9708-019B960494DF}">
-                  <a14:hiddenLine xmlns:a14="http://schemas.microsoft.com/office/drawing/2010/main" xmlns="" w="9525">
+                  <a14:hiddenLine xmlns="" xmlns:a14="http://schemas.microsoft.com/office/drawing/2010/main" w="9525">
                     <a:solidFill>
                       <a:srgbClr val="000000"/>
                     </a:solidFill>
@@ -9600,7 +9600,7 @@
               </a:ln>
               <a:extLst>
                 <a:ext uri="{91240B29-F687-4f45-9708-019B960494DF}">
-                  <a14:hiddenLine xmlns:a14="http://schemas.microsoft.com/office/drawing/2010/main" xmlns="" w="9525">
+                  <a14:hiddenLine xmlns="" xmlns:a14="http://schemas.microsoft.com/office/drawing/2010/main" w="9525">
                     <a:solidFill>
                       <a:srgbClr val="000000"/>
                     </a:solidFill>
@@ -9690,7 +9690,7 @@
               </a:ln>
               <a:extLst>
                 <a:ext uri="{91240B29-F687-4f45-9708-019B960494DF}">
-                  <a14:hiddenLine xmlns:a14="http://schemas.microsoft.com/office/drawing/2010/main" xmlns="" w="9525">
+                  <a14:hiddenLine xmlns="" xmlns:a14="http://schemas.microsoft.com/office/drawing/2010/main" w="9525">
                     <a:solidFill>
                       <a:srgbClr val="000000"/>
                     </a:solidFill>
@@ -9752,7 +9752,7 @@
               </a:ln>
               <a:extLst>
                 <a:ext uri="{91240B29-F687-4f45-9708-019B960494DF}">
-                  <a14:hiddenLine xmlns:a14="http://schemas.microsoft.com/office/drawing/2010/main" xmlns="" w="9525">
+                  <a14:hiddenLine xmlns="" xmlns:a14="http://schemas.microsoft.com/office/drawing/2010/main" w="9525">
                     <a:solidFill>
                       <a:srgbClr val="000000"/>
                     </a:solidFill>
@@ -9862,7 +9862,7 @@
               </a:ln>
               <a:extLst>
                 <a:ext uri="{91240B29-F687-4f45-9708-019B960494DF}">
-                  <a14:hiddenLine xmlns:a14="http://schemas.microsoft.com/office/drawing/2010/main" xmlns="" w="9525">
+                  <a14:hiddenLine xmlns="" xmlns:a14="http://schemas.microsoft.com/office/drawing/2010/main" w="9525">
                     <a:solidFill>
                       <a:srgbClr val="000000"/>
                     </a:solidFill>
@@ -9946,7 +9946,7 @@
               </a:ln>
               <a:extLst>
                 <a:ext uri="{91240B29-F687-4f45-9708-019B960494DF}">
-                  <a14:hiddenLine xmlns:a14="http://schemas.microsoft.com/office/drawing/2010/main" xmlns="" w="9525">
+                  <a14:hiddenLine xmlns="" xmlns:a14="http://schemas.microsoft.com/office/drawing/2010/main" w="9525">
                     <a:solidFill>
                       <a:srgbClr val="000000"/>
                     </a:solidFill>
@@ -10008,7 +10008,7 @@
               </a:ln>
               <a:extLst>
                 <a:ext uri="{91240B29-F687-4f45-9708-019B960494DF}">
-                  <a14:hiddenLine xmlns:a14="http://schemas.microsoft.com/office/drawing/2010/main" xmlns="" w="9525">
+                  <a14:hiddenLine xmlns="" xmlns:a14="http://schemas.microsoft.com/office/drawing/2010/main" w="9525">
                     <a:solidFill>
                       <a:srgbClr val="000000"/>
                     </a:solidFill>
@@ -10070,7 +10070,7 @@
               </a:ln>
               <a:extLst>
                 <a:ext uri="{91240B29-F687-4f45-9708-019B960494DF}">
-                  <a14:hiddenLine xmlns:a14="http://schemas.microsoft.com/office/drawing/2010/main" xmlns="" w="9525">
+                  <a14:hiddenLine xmlns="" xmlns:a14="http://schemas.microsoft.com/office/drawing/2010/main" w="9525">
                     <a:solidFill>
                       <a:srgbClr val="000000"/>
                     </a:solidFill>
@@ -10160,7 +10160,7 @@
               </a:ln>
               <a:extLst>
                 <a:ext uri="{91240B29-F687-4f45-9708-019B960494DF}">
-                  <a14:hiddenLine xmlns:a14="http://schemas.microsoft.com/office/drawing/2010/main" xmlns="" w="9525">
+                  <a14:hiddenLine xmlns="" xmlns:a14="http://schemas.microsoft.com/office/drawing/2010/main" w="9525">
                     <a:solidFill>
                       <a:srgbClr val="000000"/>
                     </a:solidFill>
@@ -10194,7 +10194,7 @@
               </a:ln>
               <a:extLst>
                 <a:ext uri="{91240B29-F687-4f45-9708-019B960494DF}">
-                  <a14:hiddenLine xmlns:a14="http://schemas.microsoft.com/office/drawing/2010/main" xmlns="" w="9525">
+                  <a14:hiddenLine xmlns="" xmlns:a14="http://schemas.microsoft.com/office/drawing/2010/main" w="9525">
                     <a:solidFill>
                       <a:srgbClr val="000000"/>
                     </a:solidFill>
@@ -10259,7 +10259,7 @@
               </a:ln>
               <a:extLst>
                 <a:ext uri="{91240B29-F687-4f45-9708-019B960494DF}">
-                  <a14:hiddenLine xmlns:a14="http://schemas.microsoft.com/office/drawing/2010/main" xmlns="" w="9525">
+                  <a14:hiddenLine xmlns="" xmlns:a14="http://schemas.microsoft.com/office/drawing/2010/main" w="9525">
                     <a:solidFill>
                       <a:srgbClr val="000000"/>
                     </a:solidFill>
@@ -10349,7 +10349,7 @@
               </a:ln>
               <a:extLst>
                 <a:ext uri="{91240B29-F687-4f45-9708-019B960494DF}">
-                  <a14:hiddenLine xmlns:a14="http://schemas.microsoft.com/office/drawing/2010/main" xmlns="" w="9525">
+                  <a14:hiddenLine xmlns="" xmlns:a14="http://schemas.microsoft.com/office/drawing/2010/main" w="9525">
                     <a:solidFill>
                       <a:srgbClr val="000000"/>
                     </a:solidFill>
@@ -10411,7 +10411,7 @@
               </a:ln>
               <a:extLst>
                 <a:ext uri="{91240B29-F687-4f45-9708-019B960494DF}">
-                  <a14:hiddenLine xmlns:a14="http://schemas.microsoft.com/office/drawing/2010/main" xmlns="" w="9525">
+                  <a14:hiddenLine xmlns="" xmlns:a14="http://schemas.microsoft.com/office/drawing/2010/main" w="9525">
                     <a:solidFill>
                       <a:srgbClr val="000000"/>
                     </a:solidFill>
@@ -10501,7 +10501,7 @@
               </a:ln>
               <a:extLst>
                 <a:ext uri="{91240B29-F687-4f45-9708-019B960494DF}">
-                  <a14:hiddenLine xmlns:a14="http://schemas.microsoft.com/office/drawing/2010/main" xmlns="" w="9525">
+                  <a14:hiddenLine xmlns="" xmlns:a14="http://schemas.microsoft.com/office/drawing/2010/main" w="9525">
                     <a:solidFill>
                       <a:srgbClr val="000000"/>
                     </a:solidFill>
@@ -10566,7 +10566,7 @@
               </a:ln>
               <a:extLst>
                 <a:ext uri="{91240B29-F687-4f45-9708-019B960494DF}">
-                  <a14:hiddenLine xmlns:a14="http://schemas.microsoft.com/office/drawing/2010/main" xmlns="" w="9525">
+                  <a14:hiddenLine xmlns="" xmlns:a14="http://schemas.microsoft.com/office/drawing/2010/main" w="9525">
                     <a:solidFill>
                       <a:srgbClr val="000000"/>
                     </a:solidFill>
@@ -10628,7 +10628,7 @@
               </a:ln>
               <a:extLst>
                 <a:ext uri="{91240B29-F687-4f45-9708-019B960494DF}">
-                  <a14:hiddenLine xmlns:a14="http://schemas.microsoft.com/office/drawing/2010/main" xmlns="" w="9525">
+                  <a14:hiddenLine xmlns="" xmlns:a14="http://schemas.microsoft.com/office/drawing/2010/main" w="9525">
                     <a:solidFill>
                       <a:srgbClr val="000000"/>
                     </a:solidFill>
@@ -10718,7 +10718,7 @@
               </a:ln>
               <a:extLst>
                 <a:ext uri="{91240B29-F687-4f45-9708-019B960494DF}">
-                  <a14:hiddenLine xmlns:a14="http://schemas.microsoft.com/office/drawing/2010/main" xmlns="" w="9525">
+                  <a14:hiddenLine xmlns="" xmlns:a14="http://schemas.microsoft.com/office/drawing/2010/main" w="9525">
                     <a:solidFill>
                       <a:srgbClr val="000000"/>
                     </a:solidFill>
@@ -10808,7 +10808,7 @@
               </a:ln>
               <a:extLst>
                 <a:ext uri="{91240B29-F687-4f45-9708-019B960494DF}">
-                  <a14:hiddenLine xmlns:a14="http://schemas.microsoft.com/office/drawing/2010/main" xmlns="" w="9525">
+                  <a14:hiddenLine xmlns="" xmlns:a14="http://schemas.microsoft.com/office/drawing/2010/main" w="9525">
                     <a:solidFill>
                       <a:srgbClr val="000000"/>
                     </a:solidFill>
@@ -10873,7 +10873,7 @@
               </a:ln>
               <a:extLst>
                 <a:ext uri="{91240B29-F687-4f45-9708-019B960494DF}">
-                  <a14:hiddenLine xmlns:a14="http://schemas.microsoft.com/office/drawing/2010/main" xmlns="" w="9525">
+                  <a14:hiddenLine xmlns="" xmlns:a14="http://schemas.microsoft.com/office/drawing/2010/main" w="9525">
                     <a:solidFill>
                       <a:srgbClr val="000000"/>
                     </a:solidFill>
@@ -10993,7 +10993,7 @@
               </a:ln>
               <a:extLst>
                 <a:ext uri="{91240B29-F687-4f45-9708-019B960494DF}">
-                  <a14:hiddenLine xmlns:a14="http://schemas.microsoft.com/office/drawing/2010/main" xmlns="" w="9525">
+                  <a14:hiddenLine xmlns="" xmlns:a14="http://schemas.microsoft.com/office/drawing/2010/main" w="9525">
                     <a:solidFill>
                       <a:srgbClr val="000000"/>
                     </a:solidFill>
@@ -11091,7 +11091,7 @@
               </a:ln>
               <a:extLst>
                 <a:ext uri="{91240B29-F687-4f45-9708-019B960494DF}">
-                  <a14:hiddenLine xmlns:a14="http://schemas.microsoft.com/office/drawing/2010/main" xmlns="" w="9525">
+                  <a14:hiddenLine xmlns="" xmlns:a14="http://schemas.microsoft.com/office/drawing/2010/main" w="9525">
                     <a:solidFill>
                       <a:srgbClr val="000000"/>
                     </a:solidFill>
@@ -11206,7 +11206,7 @@
               </a:ln>
               <a:extLst>
                 <a:ext uri="{91240B29-F687-4f45-9708-019B960494DF}">
-                  <a14:hiddenLine xmlns:a14="http://schemas.microsoft.com/office/drawing/2010/main" xmlns="" w="9525">
+                  <a14:hiddenLine xmlns="" xmlns:a14="http://schemas.microsoft.com/office/drawing/2010/main" w="9525">
                     <a:solidFill>
                       <a:srgbClr val="000000"/>
                     </a:solidFill>
@@ -11296,7 +11296,7 @@
               </a:ln>
               <a:extLst>
                 <a:ext uri="{91240B29-F687-4f45-9708-019B960494DF}">
-                  <a14:hiddenLine xmlns:a14="http://schemas.microsoft.com/office/drawing/2010/main" xmlns="" w="9525">
+                  <a14:hiddenLine xmlns="" xmlns:a14="http://schemas.microsoft.com/office/drawing/2010/main" w="9525">
                     <a:solidFill>
                       <a:srgbClr val="000000"/>
                     </a:solidFill>
@@ -11361,7 +11361,7 @@
               </a:ln>
               <a:extLst>
                 <a:ext uri="{91240B29-F687-4f45-9708-019B960494DF}">
-                  <a14:hiddenLine xmlns:a14="http://schemas.microsoft.com/office/drawing/2010/main" xmlns="" w="9525">
+                  <a14:hiddenLine xmlns="" xmlns:a14="http://schemas.microsoft.com/office/drawing/2010/main" w="9525">
                     <a:solidFill>
                       <a:srgbClr val="000000"/>
                     </a:solidFill>
@@ -11451,7 +11451,7 @@
               </a:ln>
               <a:extLst>
                 <a:ext uri="{91240B29-F687-4f45-9708-019B960494DF}">
-                  <a14:hiddenLine xmlns:a14="http://schemas.microsoft.com/office/drawing/2010/main" xmlns="" w="9525">
+                  <a14:hiddenLine xmlns="" xmlns:a14="http://schemas.microsoft.com/office/drawing/2010/main" w="9525">
                     <a:solidFill>
                       <a:srgbClr val="000000"/>
                     </a:solidFill>
@@ -11519,7 +11519,7 @@
               </a:ln>
               <a:extLst>
                 <a:ext uri="{91240B29-F687-4f45-9708-019B960494DF}">
-                  <a14:hiddenLine xmlns:a14="http://schemas.microsoft.com/office/drawing/2010/main" xmlns="" w="9525">
+                  <a14:hiddenLine xmlns="" xmlns:a14="http://schemas.microsoft.com/office/drawing/2010/main" w="9525">
                     <a:solidFill>
                       <a:srgbClr val="000000"/>
                     </a:solidFill>
@@ -11609,7 +11609,7 @@
               </a:ln>
               <a:extLst>
                 <a:ext uri="{91240B29-F687-4f45-9708-019B960494DF}">
-                  <a14:hiddenLine xmlns:a14="http://schemas.microsoft.com/office/drawing/2010/main" xmlns="" w="9525">
+                  <a14:hiddenLine xmlns="" xmlns:a14="http://schemas.microsoft.com/office/drawing/2010/main" w="9525">
                     <a:solidFill>
                       <a:srgbClr val="000000"/>
                     </a:solidFill>
@@ -11677,7 +11677,7 @@
               </a:ln>
               <a:extLst>
                 <a:ext uri="{91240B29-F687-4f45-9708-019B960494DF}">
-                  <a14:hiddenLine xmlns:a14="http://schemas.microsoft.com/office/drawing/2010/main" xmlns="" w="9525">
+                  <a14:hiddenLine xmlns="" xmlns:a14="http://schemas.microsoft.com/office/drawing/2010/main" w="9525">
                     <a:solidFill>
                       <a:srgbClr val="000000"/>
                     </a:solidFill>
@@ -11767,7 +11767,7 @@
               </a:ln>
               <a:extLst>
                 <a:ext uri="{91240B29-F687-4f45-9708-019B960494DF}">
-                  <a14:hiddenLine xmlns:a14="http://schemas.microsoft.com/office/drawing/2010/main" xmlns="" w="9525">
+                  <a14:hiddenLine xmlns="" xmlns:a14="http://schemas.microsoft.com/office/drawing/2010/main" w="9525">
                     <a:solidFill>
                       <a:srgbClr val="000000"/>
                     </a:solidFill>
@@ -11801,7 +11801,7 @@
               </a:ln>
               <a:extLst>
                 <a:ext uri="{91240B29-F687-4f45-9708-019B960494DF}">
-                  <a14:hiddenLine xmlns:a14="http://schemas.microsoft.com/office/drawing/2010/main" xmlns="" w="9525">
+                  <a14:hiddenLine xmlns="" xmlns:a14="http://schemas.microsoft.com/office/drawing/2010/main" w="9525">
                     <a:solidFill>
                       <a:srgbClr val="000000"/>
                     </a:solidFill>
@@ -12712,6 +12712,12 @@
           <a:p>
             <a:r>
               <a:rPr lang="en-US" dirty="0"/>
+              <a:t>Doing analysis and data manipulation to make the dataset better to read and understand as well as organizing the dataset.</a:t>
+            </a:r>
+          </a:p>
+          <a:p>
+            <a:r>
+              <a:rPr lang="en-US" dirty="0"/>
               <a:t>Use the K-nearest neighbor model to recommend similar players in order to help team managers to determine the best players to buy to improve the team.</a:t>
             </a:r>
           </a:p>
@@ -12719,12 +12725,6 @@
             <a:r>
               <a:rPr lang="en-US" dirty="0"/>
               <a:t>Classify players based on position classes.</a:t>
-            </a:r>
-          </a:p>
-          <a:p>
-            <a:r>
-              <a:rPr lang="en-US" dirty="0"/>
-              <a:t>Doing analysis and data manipulation to make the dataset better to read and understand as well as organizing the dataset.</a:t>
             </a:r>
           </a:p>
           <a:p>
@@ -13597,95 +13597,7 @@
           <a:p>
             <a:r>
               <a:rPr lang="en-US" dirty="0"/>
-              <a:t>Example features: ID, </a:t>
-            </a:r>
-            <a:r>
-              <a:rPr lang="en-US" dirty="0" err="1"/>
-              <a:t>Nick_name</a:t>
-            </a:r>
-            <a:r>
-              <a:rPr lang="en-US" dirty="0"/>
-              <a:t>, </a:t>
-            </a:r>
-            <a:r>
-              <a:rPr lang="en-US" dirty="0" err="1"/>
-              <a:t>Overall_rating</a:t>
-            </a:r>
-            <a:r>
-              <a:rPr lang="en-US" dirty="0"/>
-              <a:t>, </a:t>
-            </a:r>
-            <a:r>
-              <a:rPr lang="en-US" dirty="0" err="1"/>
-              <a:t>League_name</a:t>
-            </a:r>
-            <a:r>
-              <a:rPr lang="en-US" dirty="0"/>
-              <a:t>, </a:t>
-            </a:r>
-            <a:r>
-              <a:rPr lang="en-US" dirty="0" err="1"/>
-              <a:t>Nationality_name</a:t>
-            </a:r>
-            <a:r>
-              <a:rPr lang="en-US" dirty="0"/>
-              <a:t>, </a:t>
-            </a:r>
-            <a:r>
-              <a:rPr lang="en-US" dirty="0" err="1"/>
-              <a:t>Player_position</a:t>
-            </a:r>
-            <a:r>
-              <a:rPr lang="en-US" dirty="0"/>
-              <a:t>, Age, </a:t>
-            </a:r>
-            <a:r>
-              <a:rPr lang="en-US" dirty="0" err="1"/>
-              <a:t>Height_cm</a:t>
-            </a:r>
-            <a:r>
-              <a:rPr lang="en-US" dirty="0"/>
-              <a:t>, </a:t>
-            </a:r>
-            <a:r>
-              <a:rPr lang="en-US" dirty="0" err="1"/>
-              <a:t>Weight_kg</a:t>
-            </a:r>
-            <a:r>
-              <a:rPr lang="en-US" dirty="0"/>
-              <a:t>, </a:t>
-            </a:r>
-            <a:r>
-              <a:rPr lang="en-US" dirty="0" err="1"/>
-              <a:t>Preferred_foot</a:t>
-            </a:r>
-            <a:r>
-              <a:rPr lang="en-US" dirty="0"/>
-              <a:t>, </a:t>
-            </a:r>
-            <a:r>
-              <a:rPr lang="en-US" dirty="0" err="1"/>
-              <a:t>Weak_foot</a:t>
-            </a:r>
-            <a:r>
-              <a:rPr lang="en-US" dirty="0"/>
-              <a:t>, </a:t>
-            </a:r>
-            <a:r>
-              <a:rPr lang="en-US" dirty="0" err="1"/>
-              <a:t>Skill_moves</a:t>
-            </a:r>
-            <a:r>
-              <a:rPr lang="en-US" dirty="0"/>
-              <a:t>, </a:t>
-            </a:r>
-            <a:r>
-              <a:rPr lang="en-US" dirty="0" err="1"/>
-              <a:t>Body_type</a:t>
-            </a:r>
-            <a:r>
-              <a:rPr lang="en-US" dirty="0"/>
-              <a:t>, Pace, Shooting, Passing, Dribbling, Defending, Physicality.</a:t>
+              <a:t>Data was split it to train 80% and test 20%</a:t>
             </a:r>
           </a:p>
         </p:txBody>
@@ -14428,204 +14340,478 @@
           </a:p>
         </p:txBody>
       </p:sp>
-      <p:pic>
-        <p:nvPicPr>
-          <p:cNvPr id="7" name="Content Placeholder 6">
+      <p:sp>
+        <p:nvSpPr>
+          <p:cNvPr id="8" name="Content Placeholder 2">
             <a:extLst>
               <a:ext uri="{FF2B5EF4-FFF2-40B4-BE49-F238E27FC236}">
-                <a16:creationId xmlns:a16="http://schemas.microsoft.com/office/drawing/2014/main" id="{516035CB-B434-AD4D-B454-771F1AD3368B}"/>
+                <a16:creationId xmlns:a16="http://schemas.microsoft.com/office/drawing/2014/main" id="{69CFCA10-6785-7F4D-BFEA-D0CAB8BD97E5}"/>
               </a:ext>
             </a:extLst>
           </p:cNvPr>
-          <p:cNvPicPr>
-            <a:picLocks noGrp="1"/>
-          </p:cNvPicPr>
-          <p:nvPr>
-            <p:ph idx="1"/>
-          </p:nvPr>
-        </p:nvPicPr>
-        <p:blipFill>
-          <a:blip r:embed="rId2">
-            <a:extLst>
-              <a:ext uri="{28A0092B-C50C-407E-A947-70E740481C1C}">
-                <a14:useLocalDpi xmlns:a14="http://schemas.microsoft.com/office/drawing/2010/main" val="0"/>
-              </a:ext>
-            </a:extLst>
-          </a:blip>
-          <a:stretch>
-            <a:fillRect/>
-          </a:stretch>
-        </p:blipFill>
+          <p:cNvSpPr txBox="1">
+            <a:spLocks/>
+          </p:cNvSpPr>
+          <p:nvPr/>
+        </p:nvSpPr>
         <p:spPr>
           <a:xfrm>
-            <a:off x="6075363" y="2344700"/>
-            <a:ext cx="4654800" cy="1108800"/>
+            <a:off x="1978694" y="2249487"/>
+            <a:ext cx="4642443" cy="3541714"/>
           </a:xfrm>
-          <a:prstGeom prst="roundRect">
-            <a:avLst>
-              <a:gd name="adj" fmla="val 8594"/>
-            </a:avLst>
+          <a:prstGeom prst="rect">
+            <a:avLst/>
           </a:prstGeom>
-          <a:solidFill>
-            <a:srgbClr val="FFFFFF">
-              <a:shade val="85000"/>
-            </a:srgbClr>
-          </a:solidFill>
-          <a:ln>
-            <a:noFill/>
-          </a:ln>
-          <a:effectLst>
-            <a:reflection blurRad="12700" stA="38000" endPos="28000" dist="5000" dir="5400000" sy="-100000" algn="bl" rotWithShape="0"/>
-          </a:effectLst>
         </p:spPr>
-      </p:pic>
-      <p:pic>
-        <p:nvPicPr>
-          <p:cNvPr id="10" name="Picture 9">
+        <p:txBody>
+          <a:bodyPr vert="horz" lIns="91440" tIns="45720" rIns="91440" bIns="45720" rtlCol="0">
+            <a:normAutofit/>
+          </a:bodyPr>
+          <a:lstStyle>
+            <a:lvl1pPr marL="228600" indent="-228600" algn="l" defTabSz="914400" rtl="0" eaLnBrk="1" latinLnBrk="0" hangingPunct="1">
+              <a:lnSpc>
+                <a:spcPct val="120000"/>
+              </a:lnSpc>
+              <a:spcBef>
+                <a:spcPts val="1000"/>
+              </a:spcBef>
+              <a:buSzPct val="125000"/>
+              <a:buFont typeface="Arial" panose="020B0604020202020204" pitchFamily="34" charset="0"/>
+              <a:buChar char="•"/>
+              <a:defRPr sz="2400" kern="1200">
+                <a:solidFill>
+                  <a:schemeClr val="tx1"/>
+                </a:solidFill>
+                <a:latin typeface="+mn-lt"/>
+                <a:ea typeface="+mn-ea"/>
+                <a:cs typeface="+mn-cs"/>
+              </a:defRPr>
+            </a:lvl1pPr>
+            <a:lvl2pPr marL="685800" indent="-228600" algn="l" defTabSz="914400" rtl="0" eaLnBrk="1" latinLnBrk="0" hangingPunct="1">
+              <a:lnSpc>
+                <a:spcPct val="120000"/>
+              </a:lnSpc>
+              <a:spcBef>
+                <a:spcPts val="500"/>
+              </a:spcBef>
+              <a:buSzPct val="125000"/>
+              <a:buFont typeface="Arial" panose="020B0604020202020204" pitchFamily="34" charset="0"/>
+              <a:buChar char="•"/>
+              <a:defRPr sz="2000" kern="1200">
+                <a:solidFill>
+                  <a:schemeClr val="tx1"/>
+                </a:solidFill>
+                <a:latin typeface="+mn-lt"/>
+                <a:ea typeface="+mn-ea"/>
+                <a:cs typeface="+mn-cs"/>
+              </a:defRPr>
+            </a:lvl2pPr>
+            <a:lvl3pPr marL="1143000" indent="-228600" algn="l" defTabSz="914400" rtl="0" eaLnBrk="1" latinLnBrk="0" hangingPunct="1">
+              <a:lnSpc>
+                <a:spcPct val="120000"/>
+              </a:lnSpc>
+              <a:spcBef>
+                <a:spcPts val="500"/>
+              </a:spcBef>
+              <a:buSzPct val="125000"/>
+              <a:buFont typeface="Arial" panose="020B0604020202020204" pitchFamily="34" charset="0"/>
+              <a:buChar char="•"/>
+              <a:defRPr sz="1800" kern="1200">
+                <a:solidFill>
+                  <a:schemeClr val="tx1"/>
+                </a:solidFill>
+                <a:latin typeface="+mn-lt"/>
+                <a:ea typeface="+mn-ea"/>
+                <a:cs typeface="+mn-cs"/>
+              </a:defRPr>
+            </a:lvl3pPr>
+            <a:lvl4pPr marL="1600200" indent="-228600" algn="l" defTabSz="914400" rtl="0" eaLnBrk="1" latinLnBrk="0" hangingPunct="1">
+              <a:lnSpc>
+                <a:spcPct val="120000"/>
+              </a:lnSpc>
+              <a:spcBef>
+                <a:spcPts val="500"/>
+              </a:spcBef>
+              <a:buSzPct val="125000"/>
+              <a:buFont typeface="Arial" panose="020B0604020202020204" pitchFamily="34" charset="0"/>
+              <a:buChar char="•"/>
+              <a:defRPr sz="1600" kern="1200">
+                <a:solidFill>
+                  <a:schemeClr val="tx1"/>
+                </a:solidFill>
+                <a:latin typeface="+mn-lt"/>
+                <a:ea typeface="+mn-ea"/>
+                <a:cs typeface="+mn-cs"/>
+              </a:defRPr>
+            </a:lvl4pPr>
+            <a:lvl5pPr marL="2057400" indent="-228600" algn="l" defTabSz="914400" rtl="0" eaLnBrk="1" latinLnBrk="0" hangingPunct="1">
+              <a:lnSpc>
+                <a:spcPct val="120000"/>
+              </a:lnSpc>
+              <a:spcBef>
+                <a:spcPts val="500"/>
+              </a:spcBef>
+              <a:buSzPct val="125000"/>
+              <a:buFont typeface="Arial" panose="020B0604020202020204" pitchFamily="34" charset="0"/>
+              <a:buChar char="•"/>
+              <a:defRPr sz="1600" kern="1200">
+                <a:solidFill>
+                  <a:schemeClr val="tx1"/>
+                </a:solidFill>
+                <a:latin typeface="+mn-lt"/>
+                <a:ea typeface="+mn-ea"/>
+                <a:cs typeface="+mn-cs"/>
+              </a:defRPr>
+            </a:lvl5pPr>
+            <a:lvl6pPr marL="2514600" indent="-228600" algn="l" defTabSz="914400" rtl="0" eaLnBrk="1" latinLnBrk="0" hangingPunct="1">
+              <a:lnSpc>
+                <a:spcPct val="120000"/>
+              </a:lnSpc>
+              <a:spcBef>
+                <a:spcPts val="500"/>
+              </a:spcBef>
+              <a:buSzPct val="125000"/>
+              <a:buFont typeface="Arial" panose="020B0604020202020204" pitchFamily="34" charset="0"/>
+              <a:buChar char="•"/>
+              <a:defRPr sz="1400" kern="1200">
+                <a:solidFill>
+                  <a:schemeClr val="tx1"/>
+                </a:solidFill>
+                <a:latin typeface="+mn-lt"/>
+                <a:ea typeface="+mn-ea"/>
+                <a:cs typeface="+mn-cs"/>
+              </a:defRPr>
+            </a:lvl6pPr>
+            <a:lvl7pPr marL="2971800" indent="-228600" algn="l" defTabSz="914400" rtl="0" eaLnBrk="1" latinLnBrk="0" hangingPunct="1">
+              <a:lnSpc>
+                <a:spcPct val="120000"/>
+              </a:lnSpc>
+              <a:spcBef>
+                <a:spcPts val="500"/>
+              </a:spcBef>
+              <a:buSzPct val="125000"/>
+              <a:buFont typeface="Arial" panose="020B0604020202020204" pitchFamily="34" charset="0"/>
+              <a:buChar char="•"/>
+              <a:defRPr sz="1400" kern="1200">
+                <a:solidFill>
+                  <a:schemeClr val="tx1"/>
+                </a:solidFill>
+                <a:latin typeface="+mn-lt"/>
+                <a:ea typeface="+mn-ea"/>
+                <a:cs typeface="+mn-cs"/>
+              </a:defRPr>
+            </a:lvl7pPr>
+            <a:lvl8pPr marL="3429000" indent="-228600" algn="l" defTabSz="914400" rtl="0" eaLnBrk="1" latinLnBrk="0" hangingPunct="1">
+              <a:lnSpc>
+                <a:spcPct val="120000"/>
+              </a:lnSpc>
+              <a:spcBef>
+                <a:spcPts val="500"/>
+              </a:spcBef>
+              <a:buSzPct val="125000"/>
+              <a:buFont typeface="Arial" panose="020B0604020202020204" pitchFamily="34" charset="0"/>
+              <a:buChar char="•"/>
+              <a:defRPr sz="1400" kern="1200">
+                <a:solidFill>
+                  <a:schemeClr val="tx1"/>
+                </a:solidFill>
+                <a:latin typeface="+mn-lt"/>
+                <a:ea typeface="+mn-ea"/>
+                <a:cs typeface="+mn-cs"/>
+              </a:defRPr>
+            </a:lvl8pPr>
+            <a:lvl9pPr marL="3886200" indent="-228600" algn="l" defTabSz="914400" rtl="0" eaLnBrk="1" latinLnBrk="0" hangingPunct="1">
+              <a:lnSpc>
+                <a:spcPct val="120000"/>
+              </a:lnSpc>
+              <a:spcBef>
+                <a:spcPts val="500"/>
+              </a:spcBef>
+              <a:buSzPct val="125000"/>
+              <a:buFont typeface="Arial" panose="020B0604020202020204" pitchFamily="34" charset="0"/>
+              <a:buChar char="•"/>
+              <a:defRPr sz="1400" kern="1200">
+                <a:solidFill>
+                  <a:schemeClr val="tx1"/>
+                </a:solidFill>
+                <a:latin typeface="+mn-lt"/>
+                <a:ea typeface="+mn-ea"/>
+                <a:cs typeface="+mn-cs"/>
+              </a:defRPr>
+            </a:lvl9pPr>
+          </a:lstStyle>
+          <a:p>
+            <a:r>
+              <a:rPr lang="en-US" u="sng" dirty="0"/>
+              <a:t>K-Nearest Neighbors:</a:t>
+            </a:r>
+          </a:p>
+          <a:p>
+            <a:r>
+              <a:rPr lang="en-US" dirty="0"/>
+              <a:t>Test Accuracy: </a:t>
+            </a:r>
+            <a:r>
+              <a:rPr lang="en-US" b="1" dirty="0"/>
+              <a:t>68</a:t>
+            </a:r>
+            <a:r>
+              <a:rPr lang="en-US" dirty="0"/>
+              <a:t>%</a:t>
+            </a:r>
+          </a:p>
+          <a:p>
+            <a:r>
+              <a:rPr lang="en-US" dirty="0"/>
+              <a:t>Train Accuracy: </a:t>
+            </a:r>
+            <a:r>
+              <a:rPr lang="en-US" b="1" dirty="0"/>
+              <a:t>85</a:t>
+            </a:r>
+            <a:r>
+              <a:rPr lang="en-US" dirty="0"/>
+              <a:t>%</a:t>
+            </a:r>
+          </a:p>
+        </p:txBody>
+      </p:sp>
+      <p:sp>
+        <p:nvSpPr>
+          <p:cNvPr id="9" name="Content Placeholder 2">
             <a:extLst>
               <a:ext uri="{FF2B5EF4-FFF2-40B4-BE49-F238E27FC236}">
-                <a16:creationId xmlns:a16="http://schemas.microsoft.com/office/drawing/2014/main" id="{9B41D78F-8172-7C41-A92E-DCF010C3B028}"/>
+                <a16:creationId xmlns:a16="http://schemas.microsoft.com/office/drawing/2014/main" id="{240FFDE7-56AD-5741-8D97-AA4F60B0C6A8}"/>
               </a:ext>
             </a:extLst>
           </p:cNvPr>
-          <p:cNvPicPr>
-            <a:picLocks/>
-          </p:cNvPicPr>
+          <p:cNvSpPr txBox="1">
+            <a:spLocks/>
+          </p:cNvSpPr>
           <p:nvPr/>
-        </p:nvPicPr>
-        <p:blipFill>
-          <a:blip r:embed="rId3">
-            <a:extLst>
-              <a:ext uri="{28A0092B-C50C-407E-A947-70E740481C1C}">
-                <a14:useLocalDpi xmlns:a14="http://schemas.microsoft.com/office/drawing/2010/main" val="0"/>
-              </a:ext>
-            </a:extLst>
-          </a:blip>
-          <a:stretch>
-            <a:fillRect/>
-          </a:stretch>
-        </p:blipFill>
+        </p:nvSpPr>
         <p:spPr>
           <a:xfrm>
-            <a:off x="6075363" y="3787048"/>
-            <a:ext cx="4654800" cy="1108800"/>
+            <a:off x="6075363" y="2249487"/>
+            <a:ext cx="4642443" cy="3541714"/>
           </a:xfrm>
-          <a:prstGeom prst="roundRect">
-            <a:avLst>
-              <a:gd name="adj" fmla="val 8594"/>
-            </a:avLst>
+          <a:prstGeom prst="rect">
+            <a:avLst/>
           </a:prstGeom>
-          <a:solidFill>
-            <a:srgbClr val="FFFFFF">
-              <a:shade val="85000"/>
-            </a:srgbClr>
-          </a:solidFill>
-          <a:ln>
-            <a:noFill/>
-          </a:ln>
-          <a:effectLst>
-            <a:reflection blurRad="12700" stA="38000" endPos="28000" dist="5000" dir="5400000" sy="-100000" algn="bl" rotWithShape="0"/>
-          </a:effectLst>
         </p:spPr>
-      </p:pic>
-      <p:pic>
-        <p:nvPicPr>
-          <p:cNvPr id="12" name="Picture 11">
-            <a:extLst>
-              <a:ext uri="{FF2B5EF4-FFF2-40B4-BE49-F238E27FC236}">
-                <a16:creationId xmlns:a16="http://schemas.microsoft.com/office/drawing/2014/main" id="{998A9F9A-3E19-CA4B-8D0C-F7DF4061E67B}"/>
-              </a:ext>
-            </a:extLst>
-          </p:cNvPr>
-          <p:cNvPicPr>
-            <a:picLocks/>
-          </p:cNvPicPr>
-          <p:nvPr/>
-        </p:nvPicPr>
-        <p:blipFill>
-          <a:blip r:embed="rId4">
-            <a:extLst>
-              <a:ext uri="{28A0092B-C50C-407E-A947-70E740481C1C}">
-                <a14:useLocalDpi xmlns:a14="http://schemas.microsoft.com/office/drawing/2010/main" val="0"/>
-              </a:ext>
-            </a:extLst>
-          </a:blip>
-          <a:stretch>
-            <a:fillRect/>
-          </a:stretch>
-        </p:blipFill>
-        <p:spPr>
-          <a:xfrm>
-            <a:off x="1141412" y="3787048"/>
-            <a:ext cx="4654800" cy="1108800"/>
-          </a:xfrm>
-          <a:prstGeom prst="roundRect">
-            <a:avLst>
-              <a:gd name="adj" fmla="val 8594"/>
-            </a:avLst>
-          </a:prstGeom>
-          <a:solidFill>
-            <a:srgbClr val="FFFFFF">
-              <a:shade val="85000"/>
-            </a:srgbClr>
-          </a:solidFill>
-          <a:ln>
-            <a:noFill/>
-          </a:ln>
-          <a:effectLst>
-            <a:reflection blurRad="12700" stA="38000" endPos="28000" dist="5000" dir="5400000" sy="-100000" algn="bl" rotWithShape="0"/>
-          </a:effectLst>
-        </p:spPr>
-      </p:pic>
-      <p:pic>
-        <p:nvPicPr>
-          <p:cNvPr id="14" name="Picture 13">
-            <a:extLst>
-              <a:ext uri="{FF2B5EF4-FFF2-40B4-BE49-F238E27FC236}">
-                <a16:creationId xmlns:a16="http://schemas.microsoft.com/office/drawing/2014/main" id="{6C6433CA-6D2A-DD4E-9D63-BC1AF043C95B}"/>
-              </a:ext>
-            </a:extLst>
-          </p:cNvPr>
-          <p:cNvPicPr>
-            <a:picLocks noChangeAspect="1"/>
-          </p:cNvPicPr>
-          <p:nvPr/>
-        </p:nvPicPr>
-        <p:blipFill>
-          <a:blip r:embed="rId5">
-            <a:extLst>
-              <a:ext uri="{28A0092B-C50C-407E-A947-70E740481C1C}">
-                <a14:useLocalDpi xmlns:a14="http://schemas.microsoft.com/office/drawing/2010/main" val="0"/>
-              </a:ext>
-            </a:extLst>
-          </a:blip>
-          <a:stretch>
-            <a:fillRect/>
-          </a:stretch>
-        </p:blipFill>
-        <p:spPr>
-          <a:xfrm>
-            <a:off x="1141412" y="2344700"/>
-            <a:ext cx="4654800" cy="1108286"/>
-          </a:xfrm>
-          <a:prstGeom prst="roundRect">
-            <a:avLst>
-              <a:gd name="adj" fmla="val 8594"/>
-            </a:avLst>
-          </a:prstGeom>
-          <a:solidFill>
-            <a:srgbClr val="FFFFFF">
-              <a:shade val="85000"/>
-            </a:srgbClr>
-          </a:solidFill>
-          <a:ln>
-            <a:noFill/>
-          </a:ln>
-          <a:effectLst>
-            <a:reflection blurRad="12700" stA="38000" endPos="28000" dist="5000" dir="5400000" sy="-100000" algn="bl" rotWithShape="0"/>
-          </a:effectLst>
-        </p:spPr>
-      </p:pic>
+        <p:txBody>
+          <a:bodyPr vert="horz" lIns="91440" tIns="45720" rIns="91440" bIns="45720" rtlCol="0">
+            <a:normAutofit/>
+          </a:bodyPr>
+          <a:lstStyle>
+            <a:lvl1pPr marL="228600" indent="-228600" algn="l" defTabSz="914400" rtl="0" eaLnBrk="1" latinLnBrk="0" hangingPunct="1">
+              <a:lnSpc>
+                <a:spcPct val="120000"/>
+              </a:lnSpc>
+              <a:spcBef>
+                <a:spcPts val="1000"/>
+              </a:spcBef>
+              <a:buSzPct val="125000"/>
+              <a:buFont typeface="Arial" panose="020B0604020202020204" pitchFamily="34" charset="0"/>
+              <a:buChar char="•"/>
+              <a:defRPr sz="2400" kern="1200">
+                <a:solidFill>
+                  <a:schemeClr val="tx1"/>
+                </a:solidFill>
+                <a:latin typeface="+mn-lt"/>
+                <a:ea typeface="+mn-ea"/>
+                <a:cs typeface="+mn-cs"/>
+              </a:defRPr>
+            </a:lvl1pPr>
+            <a:lvl2pPr marL="685800" indent="-228600" algn="l" defTabSz="914400" rtl="0" eaLnBrk="1" latinLnBrk="0" hangingPunct="1">
+              <a:lnSpc>
+                <a:spcPct val="120000"/>
+              </a:lnSpc>
+              <a:spcBef>
+                <a:spcPts val="500"/>
+              </a:spcBef>
+              <a:buSzPct val="125000"/>
+              <a:buFont typeface="Arial" panose="020B0604020202020204" pitchFamily="34" charset="0"/>
+              <a:buChar char="•"/>
+              <a:defRPr sz="2000" kern="1200">
+                <a:solidFill>
+                  <a:schemeClr val="tx1"/>
+                </a:solidFill>
+                <a:latin typeface="+mn-lt"/>
+                <a:ea typeface="+mn-ea"/>
+                <a:cs typeface="+mn-cs"/>
+              </a:defRPr>
+            </a:lvl2pPr>
+            <a:lvl3pPr marL="1143000" indent="-228600" algn="l" defTabSz="914400" rtl="0" eaLnBrk="1" latinLnBrk="0" hangingPunct="1">
+              <a:lnSpc>
+                <a:spcPct val="120000"/>
+              </a:lnSpc>
+              <a:spcBef>
+                <a:spcPts val="500"/>
+              </a:spcBef>
+              <a:buSzPct val="125000"/>
+              <a:buFont typeface="Arial" panose="020B0604020202020204" pitchFamily="34" charset="0"/>
+              <a:buChar char="•"/>
+              <a:defRPr sz="1800" kern="1200">
+                <a:solidFill>
+                  <a:schemeClr val="tx1"/>
+                </a:solidFill>
+                <a:latin typeface="+mn-lt"/>
+                <a:ea typeface="+mn-ea"/>
+                <a:cs typeface="+mn-cs"/>
+              </a:defRPr>
+            </a:lvl3pPr>
+            <a:lvl4pPr marL="1600200" indent="-228600" algn="l" defTabSz="914400" rtl="0" eaLnBrk="1" latinLnBrk="0" hangingPunct="1">
+              <a:lnSpc>
+                <a:spcPct val="120000"/>
+              </a:lnSpc>
+              <a:spcBef>
+                <a:spcPts val="500"/>
+              </a:spcBef>
+              <a:buSzPct val="125000"/>
+              <a:buFont typeface="Arial" panose="020B0604020202020204" pitchFamily="34" charset="0"/>
+              <a:buChar char="•"/>
+              <a:defRPr sz="1600" kern="1200">
+                <a:solidFill>
+                  <a:schemeClr val="tx1"/>
+                </a:solidFill>
+                <a:latin typeface="+mn-lt"/>
+                <a:ea typeface="+mn-ea"/>
+                <a:cs typeface="+mn-cs"/>
+              </a:defRPr>
+            </a:lvl4pPr>
+            <a:lvl5pPr marL="2057400" indent="-228600" algn="l" defTabSz="914400" rtl="0" eaLnBrk="1" latinLnBrk="0" hangingPunct="1">
+              <a:lnSpc>
+                <a:spcPct val="120000"/>
+              </a:lnSpc>
+              <a:spcBef>
+                <a:spcPts val="500"/>
+              </a:spcBef>
+              <a:buSzPct val="125000"/>
+              <a:buFont typeface="Arial" panose="020B0604020202020204" pitchFamily="34" charset="0"/>
+              <a:buChar char="•"/>
+              <a:defRPr sz="1600" kern="1200">
+                <a:solidFill>
+                  <a:schemeClr val="tx1"/>
+                </a:solidFill>
+                <a:latin typeface="+mn-lt"/>
+                <a:ea typeface="+mn-ea"/>
+                <a:cs typeface="+mn-cs"/>
+              </a:defRPr>
+            </a:lvl5pPr>
+            <a:lvl6pPr marL="2514600" indent="-228600" algn="l" defTabSz="914400" rtl="0" eaLnBrk="1" latinLnBrk="0" hangingPunct="1">
+              <a:lnSpc>
+                <a:spcPct val="120000"/>
+              </a:lnSpc>
+              <a:spcBef>
+                <a:spcPts val="500"/>
+              </a:spcBef>
+              <a:buSzPct val="125000"/>
+              <a:buFont typeface="Arial" panose="020B0604020202020204" pitchFamily="34" charset="0"/>
+              <a:buChar char="•"/>
+              <a:defRPr sz="1400" kern="1200">
+                <a:solidFill>
+                  <a:schemeClr val="tx1"/>
+                </a:solidFill>
+                <a:latin typeface="+mn-lt"/>
+                <a:ea typeface="+mn-ea"/>
+                <a:cs typeface="+mn-cs"/>
+              </a:defRPr>
+            </a:lvl6pPr>
+            <a:lvl7pPr marL="2971800" indent="-228600" algn="l" defTabSz="914400" rtl="0" eaLnBrk="1" latinLnBrk="0" hangingPunct="1">
+              <a:lnSpc>
+                <a:spcPct val="120000"/>
+              </a:lnSpc>
+              <a:spcBef>
+                <a:spcPts val="500"/>
+              </a:spcBef>
+              <a:buSzPct val="125000"/>
+              <a:buFont typeface="Arial" panose="020B0604020202020204" pitchFamily="34" charset="0"/>
+              <a:buChar char="•"/>
+              <a:defRPr sz="1400" kern="1200">
+                <a:solidFill>
+                  <a:schemeClr val="tx1"/>
+                </a:solidFill>
+                <a:latin typeface="+mn-lt"/>
+                <a:ea typeface="+mn-ea"/>
+                <a:cs typeface="+mn-cs"/>
+              </a:defRPr>
+            </a:lvl7pPr>
+            <a:lvl8pPr marL="3429000" indent="-228600" algn="l" defTabSz="914400" rtl="0" eaLnBrk="1" latinLnBrk="0" hangingPunct="1">
+              <a:lnSpc>
+                <a:spcPct val="120000"/>
+              </a:lnSpc>
+              <a:spcBef>
+                <a:spcPts val="500"/>
+              </a:spcBef>
+              <a:buSzPct val="125000"/>
+              <a:buFont typeface="Arial" panose="020B0604020202020204" pitchFamily="34" charset="0"/>
+              <a:buChar char="•"/>
+              <a:defRPr sz="1400" kern="1200">
+                <a:solidFill>
+                  <a:schemeClr val="tx1"/>
+                </a:solidFill>
+                <a:latin typeface="+mn-lt"/>
+                <a:ea typeface="+mn-ea"/>
+                <a:cs typeface="+mn-cs"/>
+              </a:defRPr>
+            </a:lvl8pPr>
+            <a:lvl9pPr marL="3886200" indent="-228600" algn="l" defTabSz="914400" rtl="0" eaLnBrk="1" latinLnBrk="0" hangingPunct="1">
+              <a:lnSpc>
+                <a:spcPct val="120000"/>
+              </a:lnSpc>
+              <a:spcBef>
+                <a:spcPts val="500"/>
+              </a:spcBef>
+              <a:buSzPct val="125000"/>
+              <a:buFont typeface="Arial" panose="020B0604020202020204" pitchFamily="34" charset="0"/>
+              <a:buChar char="•"/>
+              <a:defRPr sz="1400" kern="1200">
+                <a:solidFill>
+                  <a:schemeClr val="tx1"/>
+                </a:solidFill>
+                <a:latin typeface="+mn-lt"/>
+                <a:ea typeface="+mn-ea"/>
+                <a:cs typeface="+mn-cs"/>
+              </a:defRPr>
+            </a:lvl9pPr>
+          </a:lstStyle>
+          <a:p>
+            <a:r>
+              <a:rPr lang="en-US" u="sng" dirty="0"/>
+              <a:t>Naïve Bayes:</a:t>
+            </a:r>
+          </a:p>
+          <a:p>
+            <a:r>
+              <a:rPr lang="en-US" dirty="0"/>
+              <a:t>Test Accuracy: </a:t>
+            </a:r>
+            <a:r>
+              <a:rPr lang="en-US" b="1" dirty="0"/>
+              <a:t>74</a:t>
+            </a:r>
+            <a:r>
+              <a:rPr lang="en-US" dirty="0"/>
+              <a:t>%</a:t>
+            </a:r>
+          </a:p>
+          <a:p>
+            <a:r>
+              <a:rPr lang="en-US" dirty="0"/>
+              <a:t>Train Accuracy: </a:t>
+            </a:r>
+            <a:r>
+              <a:rPr lang="en-US" b="1" dirty="0"/>
+              <a:t>75</a:t>
+            </a:r>
+            <a:r>
+              <a:rPr lang="en-US" dirty="0"/>
+              <a:t>%</a:t>
+            </a:r>
+          </a:p>
+        </p:txBody>
+      </p:sp>
     </p:spTree>
     <p:extLst>
       <p:ext uri="{BB962C8B-B14F-4D97-AF65-F5344CB8AC3E}">

--- a/Recommender Players Slides.pptx
+++ b/Recommender Players Slides.pptx
@@ -15,7 +15,8 @@
     <p:sldId id="262" r:id="rId9"/>
     <p:sldId id="268" r:id="rId10"/>
     <p:sldId id="263" r:id="rId11"/>
-    <p:sldId id="264" r:id="rId12"/>
+    <p:sldId id="269" r:id="rId12"/>
+    <p:sldId id="264" r:id="rId13"/>
   </p:sldIdLst>
   <p:sldSz cx="12192000" cy="6858000"/>
   <p:notesSz cx="6858000" cy="9144000"/>
@@ -12567,6 +12568,92 @@
           <p:cNvPr id="2" name="Title 1">
             <a:extLst>
               <a:ext uri="{FF2B5EF4-FFF2-40B4-BE49-F238E27FC236}">
+                <a16:creationId xmlns:a16="http://schemas.microsoft.com/office/drawing/2014/main" id="{4E08A036-A54C-924B-955F-A47A26E4BDD7}"/>
+              </a:ext>
+            </a:extLst>
+          </p:cNvPr>
+          <p:cNvSpPr>
+            <a:spLocks noGrp="1"/>
+          </p:cNvSpPr>
+          <p:nvPr>
+            <p:ph type="title"/>
+          </p:nvPr>
+        </p:nvSpPr>
+        <p:spPr/>
+        <p:txBody>
+          <a:bodyPr/>
+          <a:lstStyle/>
+          <a:p>
+            <a:r>
+              <a:rPr lang="en-US" dirty="0"/>
+              <a:t>Applications</a:t>
+            </a:r>
+          </a:p>
+        </p:txBody>
+      </p:sp>
+      <p:sp>
+        <p:nvSpPr>
+          <p:cNvPr id="3" name="Content Placeholder 2">
+            <a:extLst>
+              <a:ext uri="{FF2B5EF4-FFF2-40B4-BE49-F238E27FC236}">
+                <a16:creationId xmlns:a16="http://schemas.microsoft.com/office/drawing/2014/main" id="{04833671-1A6A-D84F-B2BB-D854C772243F}"/>
+              </a:ext>
+            </a:extLst>
+          </p:cNvPr>
+          <p:cNvSpPr>
+            <a:spLocks noGrp="1"/>
+          </p:cNvSpPr>
+          <p:nvPr>
+            <p:ph idx="1"/>
+          </p:nvPr>
+        </p:nvSpPr>
+        <p:spPr/>
+        <p:txBody>
+          <a:bodyPr/>
+          <a:lstStyle/>
+          <a:p>
+            <a:r>
+              <a:rPr lang="en-US" dirty="0"/>
+              <a:t>Create a real life application with real life players data to support teams in making the right decisions when buying players.</a:t>
+            </a:r>
+          </a:p>
+        </p:txBody>
+      </p:sp>
+    </p:spTree>
+    <p:extLst>
+      <p:ext uri="{BB962C8B-B14F-4D97-AF65-F5344CB8AC3E}">
+        <p14:creationId xmlns:p14="http://schemas.microsoft.com/office/powerpoint/2010/main" val="2256836280"/>
+      </p:ext>
+    </p:extLst>
+  </p:cSld>
+  <p:clrMapOvr>
+    <a:masterClrMapping/>
+  </p:clrMapOvr>
+</p:sld>
+</file>
+
+<file path=ppt/slides/slide12.xml><?xml version="1.0" encoding="utf-8"?>
+<p:sld xmlns:a="http://schemas.openxmlformats.org/drawingml/2006/main" xmlns:r="http://schemas.openxmlformats.org/officeDocument/2006/relationships" xmlns:p="http://schemas.openxmlformats.org/presentationml/2006/main">
+  <p:cSld>
+    <p:spTree>
+      <p:nvGrpSpPr>
+        <p:cNvPr id="1" name=""/>
+        <p:cNvGrpSpPr/>
+        <p:nvPr/>
+      </p:nvGrpSpPr>
+      <p:grpSpPr>
+        <a:xfrm>
+          <a:off x="0" y="0"/>
+          <a:ext cx="0" cy="0"/>
+          <a:chOff x="0" y="0"/>
+          <a:chExt cx="0" cy="0"/>
+        </a:xfrm>
+      </p:grpSpPr>
+      <p:sp>
+        <p:nvSpPr>
+          <p:cNvPr id="2" name="Title 1">
+            <a:extLst>
+              <a:ext uri="{FF2B5EF4-FFF2-40B4-BE49-F238E27FC236}">
                 <a16:creationId xmlns:a16="http://schemas.microsoft.com/office/drawing/2014/main" id="{88B76396-C897-304E-8349-36CCAA55EDD8}"/>
               </a:ext>
             </a:extLst>
